--- a/resources/Exceptions and Generics.pptx
+++ b/resources/Exceptions and Generics.pptx
@@ -5,7 +5,7 @@
     <p:sldMasterId id="2147483717" r:id="rId4"/>
   </p:sldMasterIdLst>
   <p:notesMasterIdLst>
-    <p:notesMasterId r:id="rId24"/>
+    <p:notesMasterId r:id="rId25"/>
   </p:notesMasterIdLst>
   <p:sldIdLst>
     <p:sldId id="256" r:id="rId5"/>
@@ -27,6 +27,7 @@
     <p:sldId id="304" r:id="rId21"/>
     <p:sldId id="305" r:id="rId22"/>
     <p:sldId id="297" r:id="rId23"/>
+    <p:sldId id="306" r:id="rId24"/>
   </p:sldIdLst>
   <p:sldSz cx="12192000" cy="6858000"/>
   <p:notesSz cx="6858000" cy="9144000"/>
@@ -247,7 +248,7 @@
           <a:p>
             <a:fld id="{126DA449-81D0-4C65-80FA-E84926361CC3}" type="datetimeFigureOut">
               <a:rPr lang="en-US" smtClean="0"/>
-              <a:t>10/18/21</a:t>
+              <a:t>11/8/21</a:t>
             </a:fld>
             <a:endParaRPr lang="en-US"/>
           </a:p>
@@ -33347,6 +33348,119 @@
     <p:extLst>
       <p:ext uri="{BB962C8B-B14F-4D97-AF65-F5344CB8AC3E}">
         <p14:creationId xmlns:p14="http://schemas.microsoft.com/office/powerpoint/2010/main" val="1056891032"/>
+      </p:ext>
+    </p:extLst>
+  </p:cSld>
+  <p:clrMapOvr>
+    <a:masterClrMapping/>
+  </p:clrMapOvr>
+</p:sld>
+</file>
+
+<file path=ppt/slides/slide20.xml><?xml version="1.0" encoding="utf-8"?>
+<p:sld xmlns:a="http://schemas.openxmlformats.org/drawingml/2006/main" xmlns:r="http://schemas.openxmlformats.org/officeDocument/2006/relationships" xmlns:p="http://schemas.openxmlformats.org/presentationml/2006/main">
+  <p:cSld>
+    <p:spTree>
+      <p:nvGrpSpPr>
+        <p:cNvPr id="1" name=""/>
+        <p:cNvGrpSpPr/>
+        <p:nvPr/>
+      </p:nvGrpSpPr>
+      <p:grpSpPr>
+        <a:xfrm>
+          <a:off x="0" y="0"/>
+          <a:ext cx="0" cy="0"/>
+          <a:chOff x="0" y="0"/>
+          <a:chExt cx="0" cy="0"/>
+        </a:xfrm>
+      </p:grpSpPr>
+      <p:sp>
+        <p:nvSpPr>
+          <p:cNvPr id="2" name="Title 1">
+            <a:extLst>
+              <a:ext uri="{FF2B5EF4-FFF2-40B4-BE49-F238E27FC236}">
+                <a16:creationId xmlns:a16="http://schemas.microsoft.com/office/drawing/2014/main" id="{CA3BB777-E3A7-3349-B820-C2E473EC54E8}"/>
+              </a:ext>
+            </a:extLst>
+          </p:cNvPr>
+          <p:cNvSpPr>
+            <a:spLocks noGrp="1"/>
+          </p:cNvSpPr>
+          <p:nvPr>
+            <p:ph type="title"/>
+          </p:nvPr>
+        </p:nvSpPr>
+        <p:spPr>
+          <a:xfrm>
+            <a:off x="2646218" y="2847696"/>
+            <a:ext cx="6899563" cy="1162608"/>
+          </a:xfrm>
+        </p:spPr>
+        <p:txBody>
+          <a:bodyPr/>
+          <a:lstStyle/>
+          <a:p>
+            <a:r>
+              <a:rPr lang="en-US" sz="7200" dirty="0"/>
+              <a:t>See you next week</a:t>
+            </a:r>
+          </a:p>
+        </p:txBody>
+      </p:sp>
+      <p:sp>
+        <p:nvSpPr>
+          <p:cNvPr id="6" name="Szöveg helye 5">
+            <a:extLst>
+              <a:ext uri="{FF2B5EF4-FFF2-40B4-BE49-F238E27FC236}">
+                <a16:creationId xmlns:a16="http://schemas.microsoft.com/office/drawing/2014/main" id="{E575C0F8-17B8-594D-AC16-B3AA2C727591}"/>
+              </a:ext>
+            </a:extLst>
+          </p:cNvPr>
+          <p:cNvSpPr>
+            <a:spLocks noGrp="1"/>
+          </p:cNvSpPr>
+          <p:nvPr>
+            <p:ph type="body" sz="quarter" idx="11"/>
+          </p:nvPr>
+        </p:nvSpPr>
+        <p:spPr/>
+        <p:txBody>
+          <a:bodyPr/>
+          <a:lstStyle/>
+          <a:p>
+            <a:endParaRPr lang="hu-HU"/>
+          </a:p>
+        </p:txBody>
+      </p:sp>
+      <p:sp>
+        <p:nvSpPr>
+          <p:cNvPr id="8" name="Szöveg helye 7">
+            <a:extLst>
+              <a:ext uri="{FF2B5EF4-FFF2-40B4-BE49-F238E27FC236}">
+                <a16:creationId xmlns:a16="http://schemas.microsoft.com/office/drawing/2014/main" id="{A8EAB1F8-00F3-7A4C-84FA-B36A17F3A542}"/>
+              </a:ext>
+            </a:extLst>
+          </p:cNvPr>
+          <p:cNvSpPr>
+            <a:spLocks noGrp="1"/>
+          </p:cNvSpPr>
+          <p:nvPr>
+            <p:ph type="body" sz="quarter" idx="12"/>
+          </p:nvPr>
+        </p:nvSpPr>
+        <p:spPr/>
+        <p:txBody>
+          <a:bodyPr/>
+          <a:lstStyle/>
+          <a:p>
+            <a:endParaRPr lang="hu-HU"/>
+          </a:p>
+        </p:txBody>
+      </p:sp>
+    </p:spTree>
+    <p:extLst>
+      <p:ext uri="{BB962C8B-B14F-4D97-AF65-F5344CB8AC3E}">
+        <p14:creationId xmlns:p14="http://schemas.microsoft.com/office/powerpoint/2010/main" val="2963717711"/>
       </p:ext>
     </p:extLst>
   </p:cSld>
@@ -35286,9 +35400,12 @@
 </file>
 
 <file path=customXml/item1.xml><?xml version="1.0" encoding="utf-8"?>
-<p:properties xmlns:p="http://schemas.microsoft.com/office/2006/metadata/properties" xmlns:xsi="http://www.w3.org/2001/XMLSchema-instance" xmlns:pc="http://schemas.microsoft.com/office/infopath/2007/PartnerControls">
-  <documentManagement/>
-</p:properties>
+<?mso-contentType ?>
+<FormTemplates xmlns="http://schemas.microsoft.com/sharepoint/v3/contenttype/forms">
+  <Display>DocumentLibraryForm</Display>
+  <Edit>DocumentLibraryForm</Edit>
+  <New>DocumentLibraryForm</New>
+</FormTemplates>
 </file>
 
 <file path=customXml/item2.xml><?xml version="1.0" encoding="utf-8"?>
@@ -35509,19 +35626,15 @@
 </file>
 
 <file path=customXml/item3.xml><?xml version="1.0" encoding="utf-8"?>
-<?mso-contentType ?>
-<FormTemplates xmlns="http://schemas.microsoft.com/sharepoint/v3/contenttype/forms">
-  <Display>DocumentLibraryForm</Display>
-  <Edit>DocumentLibraryForm</Edit>
-  <New>DocumentLibraryForm</New>
-</FormTemplates>
+<p:properties xmlns:p="http://schemas.microsoft.com/office/2006/metadata/properties" xmlns:xsi="http://www.w3.org/2001/XMLSchema-instance" xmlns:pc="http://schemas.microsoft.com/office/infopath/2007/PartnerControls">
+  <documentManagement/>
+</p:properties>
 </file>
 
 <file path=customXml/itemProps1.xml><?xml version="1.0" encoding="utf-8"?>
-<ds:datastoreItem xmlns:ds="http://schemas.openxmlformats.org/officeDocument/2006/customXml" ds:itemID="{412E3419-B313-4514-AD24-D56E1F80A63A}">
+<ds:datastoreItem xmlns:ds="http://schemas.openxmlformats.org/officeDocument/2006/customXml" ds:itemID="{87CA341C-74C1-4577-8C96-EF2605DC526A}">
   <ds:schemaRefs>
-    <ds:schemaRef ds:uri="http://schemas.microsoft.com/office/2006/metadata/properties"/>
-    <ds:schemaRef ds:uri="http://schemas.microsoft.com/office/infopath/2007/PartnerControls"/>
+    <ds:schemaRef ds:uri="http://schemas.microsoft.com/sharepoint/v3/contenttype/forms"/>
   </ds:schemaRefs>
 </ds:datastoreItem>
 </file>
@@ -35546,9 +35659,10 @@
 </file>
 
 <file path=customXml/itemProps3.xml><?xml version="1.0" encoding="utf-8"?>
-<ds:datastoreItem xmlns:ds="http://schemas.openxmlformats.org/officeDocument/2006/customXml" ds:itemID="{87CA341C-74C1-4577-8C96-EF2605DC526A}">
+<ds:datastoreItem xmlns:ds="http://schemas.openxmlformats.org/officeDocument/2006/customXml" ds:itemID="{412E3419-B313-4514-AD24-D56E1F80A63A}">
   <ds:schemaRefs>
-    <ds:schemaRef ds:uri="http://schemas.microsoft.com/sharepoint/v3/contenttype/forms"/>
+    <ds:schemaRef ds:uri="http://schemas.microsoft.com/office/2006/metadata/properties"/>
+    <ds:schemaRef ds:uri="http://schemas.microsoft.com/office/infopath/2007/PartnerControls"/>
   </ds:schemaRefs>
 </ds:datastoreItem>
 </file>